--- a/gyak09/ovrt-09.pptx
+++ b/gyak09/ovrt-09.pptx
@@ -4744,7 +4744,7 @@
         </p:spPr>
         <p:txBody>
           <a:bodyPr>
-            <a:normAutofit lnSpcReduction="10000"/>
+            <a:normAutofit fontScale="92500" lnSpcReduction="10000"/>
           </a:bodyPr>
           <a:lstStyle/>
           <a:p>
@@ -4770,7 +4770,15 @@
             </a:r>
             <a:r>
               <a:rPr lang="hu-HU" b="1" dirty="0" smtClean="0"/>
-              <a:t>riaszt() </a:t>
+              <a:t>riaszt(</a:t>
+            </a:r>
+            <a:r>
+              <a:rPr lang="hu-HU" b="1" dirty="0" err="1" smtClean="0"/>
+              <a:t>boolean</a:t>
+            </a:r>
+            <a:r>
+              <a:rPr lang="hu-HU" b="1" dirty="0" smtClean="0"/>
+              <a:t>) </a:t>
             </a:r>
             <a:r>
               <a:rPr lang="hu-HU" dirty="0" smtClean="0"/>
@@ -4818,14 +4826,31 @@
             </a:r>
             <a:r>
               <a:rPr lang="hu-HU" dirty="0" smtClean="0"/>
-              <a:t>() funkció, ami bekér az alapértelmezett inputról egy kódot, és ha nem egyezik meg az előre beégetettel, akkor indítsuk el a riasztást!</a:t>
-            </a:r>
-          </a:p>
-          <a:p>
+              <a:t>() funkció, ami bekér az alapértelmezett inputról egy kódot, és ha nem egyezik meg az előre beégetettel, akkor indítsuk el a riasztást</a:t>
+            </a:r>
             <a:r>
               <a:rPr lang="hu-HU" dirty="0" smtClean="0"/>
-              <a:t>Készítsünk különböző Riasztó implementációkat:</a:t>
-            </a:r>
+              <a:t>!</a:t>
+            </a:r>
+          </a:p>
+          <a:p>
+            <a:pPr lvl="2"/>
+            <a:r>
+              <a:rPr lang="hu-HU" dirty="0" smtClean="0"/>
+              <a:t>Ezt ismételje meg 3 alkalommal, ha a jó kódot beírják, akkor a riasztásokat kapcsolja ki.</a:t>
+            </a:r>
+            <a:endParaRPr lang="hu-HU" dirty="0" smtClean="0"/>
+          </a:p>
+          <a:p>
+            <a:r>
+              <a:rPr lang="hu-HU" dirty="0" smtClean="0"/>
+              <a:t>Készítsünk különböző Riasztó </a:t>
+            </a:r>
+            <a:r>
+              <a:rPr lang="hu-HU" dirty="0" smtClean="0"/>
+              <a:t>implementációkat, például:</a:t>
+            </a:r>
+            <a:endParaRPr lang="hu-HU" dirty="0" smtClean="0"/>
           </a:p>
           <a:p>
             <a:pPr lvl="1"/>
@@ -4847,9 +4872,6 @@
               <a:rPr lang="hu-HU" dirty="0" smtClean="0"/>
               <a:t>Hangriasztás</a:t>
             </a:r>
-          </a:p>
-          <a:p>
-            <a:pPr lvl="1"/>
             <a:endParaRPr lang="hu-HU" dirty="0" smtClean="0"/>
           </a:p>
         </p:txBody>
